--- a/Presentation.pptx
+++ b/Presentation.pptx
@@ -6,10 +6,9 @@
   </p:sldMasterIdLst>
   <p:sldIdLst>
     <p:sldId id="256" r:id="rId2"/>
-    <p:sldId id="257" r:id="rId3"/>
   </p:sldIdLst>
   <p:notesMasterIdLst>
-    <p:notesMasterId r:id="rId4"/>
+    <p:notesMasterId r:id="rId3"/>
   </p:notesMasterIdLst>
   <p:sldSz cx="9144000" cy="5143500"/>
   <p:notesSz cx="5143500" cy="9144000"/>
@@ -527,94 +526,6 @@
             <a:fld id="{F7021451-1387-4CA6-816F-3879F97B5CBC}" type="slidenum">
               <a:rPr lang="en-US"/>
               <a:t>1</a:t>
-            </a:fld>
-            <a:endParaRPr lang="en-US"/>
-          </a:p>
-        </p:txBody>
-      </p:sp>
-    </p:spTree>
-    <p:extLst>
-      <p:ext uri="{BB962C8B-B14F-4D97-AF65-F5344CB8AC3E}">
-        <p14:creationId xmlns:p14="http://schemas.microsoft.com/office/powerpoint/2010/main" val="1024086991"/>
-      </p:ext>
-    </p:extLst>
-  </p:cSld>
-  <p:clrMapOvr>
-    <a:masterClrMapping/>
-  </p:clrMapOvr>
-</p:notes>
-</file>
-
-<file path=ppt/notesSlides/notesSlide2.xml><?xml version="1.0" encoding="utf-8"?>
-<p:notes xmlns:a="http://schemas.openxmlformats.org/drawingml/2006/main" xmlns:r="http://schemas.openxmlformats.org/officeDocument/2006/relationships" xmlns:p="http://schemas.openxmlformats.org/presentationml/2006/main">
-  <p:cSld>
-    <p:spTree>
-      <p:nvGrpSpPr>
-        <p:cNvPr id="1" name=""/>
-        <p:cNvGrpSpPr/>
-        <p:nvPr/>
-      </p:nvGrpSpPr>
-      <p:grpSpPr>
-        <a:xfrm>
-          <a:off x="0" y="0"/>
-          <a:ext cx="0" cy="0"/>
-          <a:chOff x="0" y="0"/>
-          <a:chExt cx="0" cy="0"/>
-        </a:xfrm>
-      </p:grpSpPr>
-      <p:sp>
-        <p:nvSpPr>
-          <p:cNvPr id="2" name="Slide Image Placeholder 1"/>
-          <p:cNvSpPr>
-            <a:spLocks noGrp="1" noRot="1" noChangeAspect="1"/>
-          </p:cNvSpPr>
-          <p:nvPr>
-            <p:ph type="sldImg"/>
-          </p:nvPr>
-        </p:nvSpPr>
-        <p:spPr/>
-      </p:sp>
-      <p:sp>
-        <p:nvSpPr>
-          <p:cNvPr id="3" name="Notes Placeholder 2"/>
-          <p:cNvSpPr>
-            <a:spLocks noGrp="1"/>
-          </p:cNvSpPr>
-          <p:nvPr>
-            <p:ph type="body" idx="1"/>
-          </p:nvPr>
-        </p:nvSpPr>
-        <p:spPr/>
-        <p:txBody>
-          <a:bodyPr/>
-          <a:lstStyle/>
-          <a:p>
-            <a:r>
-              <a:rPr lang="en-US" dirty="0"/>
-              <a:t/>
-            </a:r>
-            <a:endParaRPr lang="en-US" dirty="0"/>
-          </a:p>
-        </p:txBody>
-      </p:sp>
-      <p:sp>
-        <p:nvSpPr>
-          <p:cNvPr id="4" name="Slide Number Placeholder 3"/>
-          <p:cNvSpPr>
-            <a:spLocks noGrp="1"/>
-          </p:cNvSpPr>
-          <p:nvPr>
-            <p:ph type="sldNum" sz="quarter" idx="10"/>
-          </p:nvPr>
-        </p:nvSpPr>
-        <p:spPr/>
-        <p:txBody>
-          <a:bodyPr/>
-          <a:lstStyle/>
-          <a:p>
-            <a:fld id="{F7021451-1387-4CA6-816F-3879F97B5CBC}" type="slidenum">
-              <a:rPr lang="en-US"/>
-              <a:t>2</a:t>
             </a:fld>
             <a:endParaRPr lang="en-US"/>
           </a:p>
@@ -987,104 +898,7 @@
                   <a:srgbClr val="000000"/>
                 </a:solidFill>
               </a:rPr>
-              <a:t>Flowchart Presentation</a:t>
-            </a:r>
-            <a:endParaRPr lang="en-US" sz="1800" dirty="0"/>
-          </a:p>
-        </p:txBody>
-      </p:sp>
-      <p:sp>
-        <p:nvSpPr>
-          <p:cNvPr id="3" name="Text 1"/>
-          <p:cNvSpPr/>
-          <p:nvPr/>
-        </p:nvSpPr>
-        <p:spPr>
-          <a:xfrm>
-            <a:off x="914400" y="914400"/>
-            <a:ext cx="7315200" cy="914400"/>
-          </a:xfrm>
-          <a:prstGeom prst="rect">
-            <a:avLst/>
-          </a:prstGeom>
-          <a:noFill/>
-          <a:ln/>
-        </p:spPr>
-        <p:txBody>
-          <a:bodyPr wrap="square" rtlCol="0" anchor="ctr"/>
-          <a:lstStyle/>
-          <a:p>
-            <a:pPr indent="0" marL="0">
-              <a:buNone/>
-            </a:pPr>
-            <a:r>
-              <a:rPr lang="en-US" sz="1400" dirty="0">
-                <a:solidFill>
-                  <a:srgbClr val="000000"/>
-                </a:solidFill>
-              </a:rPr>
-              <a:t>This flowchart represents the comprehensive machine learning approach for NLP tasks, showing the pipeline from data collection through preprocessing, feature extraction, model training, evaluation, and deployment.</a:t>
-            </a:r>
-            <a:endParaRPr lang="en-US" sz="1400" dirty="0"/>
-          </a:p>
-        </p:txBody>
-      </p:sp>
-    </p:spTree>
-  </p:cSld>
-  <p:clrMapOvr>
-    <a:masterClrMapping/>
-  </p:clrMapOvr>
-</p:sld>
-</file>
-
-<file path=ppt/slides/slide2.xml><?xml version="1.0" encoding="utf-8"?>
-<p:sld xmlns:a="http://schemas.openxmlformats.org/drawingml/2006/main" xmlns:r="http://schemas.openxmlformats.org/officeDocument/2006/relationships" xmlns:p="http://schemas.openxmlformats.org/presentationml/2006/main">
-  <p:cSld name="Slide 2">
-    <p:spTree>
-      <p:nvGrpSpPr>
-        <p:cNvPr id="1" name=""/>
-        <p:cNvGrpSpPr/>
-        <p:nvPr/>
-      </p:nvGrpSpPr>
-      <p:grpSpPr>
-        <a:xfrm>
-          <a:off x="0" y="0"/>
-          <a:ext cx="0" cy="0"/>
-          <a:chOff x="0" y="0"/>
-          <a:chExt cx="0" cy="0"/>
-        </a:xfrm>
-      </p:grpSpPr>
-      <p:sp>
-        <p:nvSpPr>
-          <p:cNvPr id="2" name="Text 0"/>
-          <p:cNvSpPr/>
-          <p:nvPr/>
-        </p:nvSpPr>
-        <p:spPr>
-          <a:xfrm>
-            <a:off x="457200" y="457200"/>
-            <a:ext cx="6858000" cy="0"/>
-          </a:xfrm>
-          <a:prstGeom prst="rect">
-            <a:avLst/>
-          </a:prstGeom>
-          <a:noFill/>
-          <a:ln/>
-        </p:spPr>
-        <p:txBody>
-          <a:bodyPr wrap="square" rtlCol="0" anchor="ctr"/>
-          <a:lstStyle/>
-          <a:p>
-            <a:pPr indent="0" marL="0">
-              <a:buNone/>
-            </a:pPr>
-            <a:r>
-              <a:rPr lang="en-US" sz="1800" b="1" dirty="0">
-                <a:solidFill>
-                  <a:srgbClr val="000000"/>
-                </a:solidFill>
-              </a:rPr>
-              <a:t>Flowchart</a:t>
+              <a:t>AI-Generated Research Flowchart</a:t>
             </a:r>
             <a:endParaRPr lang="en-US" sz="1800" dirty="0"/>
           </a:p>
@@ -1198,7 +1012,257 @@
         </p:nvSpPr>
         <p:spPr>
           <a:xfrm>
-            <a:off x="2743200" y="2286000"/>
+            <a:off x="3200400" y="3200400"/>
+            <a:ext cx="1828800" cy="914400"/>
+          </a:xfrm>
+          <a:prstGeom prst="rectangle">
+            <a:avLst/>
+          </a:prstGeom>
+          <a:solidFill>
+            <a:srgbClr val="4472C4"/>
+          </a:solidFill>
+          <a:ln w="12700">
+            <a:solidFill>
+              <a:srgbClr val="2E528F"/>
+            </a:solidFill>
+            <a:prstDash val="solid"/>
+          </a:ln>
+        </p:spPr>
+      </p:sp>
+      <p:sp>
+        <p:nvSpPr>
+          <p:cNvPr id="8" name="Shape 6"/>
+          <p:cNvSpPr/>
+          <p:nvPr/>
+        </p:nvSpPr>
+        <p:spPr>
+          <a:xfrm>
+            <a:off x="5486400" y="3200400"/>
+            <a:ext cx="1828800" cy="914400"/>
+          </a:xfrm>
+          <a:prstGeom prst="rectangle">
+            <a:avLst/>
+          </a:prstGeom>
+          <a:solidFill>
+            <a:srgbClr val="4472C4"/>
+          </a:solidFill>
+          <a:ln w="12700">
+            <a:solidFill>
+              <a:srgbClr val="2E528F"/>
+            </a:solidFill>
+            <a:prstDash val="solid"/>
+          </a:ln>
+        </p:spPr>
+      </p:sp>
+      <p:sp>
+        <p:nvSpPr>
+          <p:cNvPr id="9" name="Shape 7"/>
+          <p:cNvSpPr/>
+          <p:nvPr/>
+        </p:nvSpPr>
+        <p:spPr>
+          <a:xfrm>
+            <a:off x="914400" y="4572000"/>
+            <a:ext cx="1828800" cy="914400"/>
+          </a:xfrm>
+          <a:prstGeom prst="rectangle">
+            <a:avLst/>
+          </a:prstGeom>
+          <a:solidFill>
+            <a:srgbClr val="4472C4"/>
+          </a:solidFill>
+          <a:ln w="12700">
+            <a:solidFill>
+              <a:srgbClr val="2E528F"/>
+            </a:solidFill>
+            <a:prstDash val="solid"/>
+          </a:ln>
+        </p:spPr>
+      </p:sp>
+      <p:sp>
+        <p:nvSpPr>
+          <p:cNvPr id="10" name="Shape 8"/>
+          <p:cNvSpPr/>
+          <p:nvPr/>
+        </p:nvSpPr>
+        <p:spPr>
+          <a:xfrm>
+            <a:off x="3200400" y="4572000"/>
+            <a:ext cx="1828800" cy="914400"/>
+          </a:xfrm>
+          <a:prstGeom prst="rectangle">
+            <a:avLst/>
+          </a:prstGeom>
+          <a:solidFill>
+            <a:srgbClr val="4472C4"/>
+          </a:solidFill>
+          <a:ln w="12700">
+            <a:solidFill>
+              <a:srgbClr val="2E528F"/>
+            </a:solidFill>
+            <a:prstDash val="solid"/>
+          </a:ln>
+        </p:spPr>
+      </p:sp>
+      <p:sp>
+        <p:nvSpPr>
+          <p:cNvPr id="11" name="Shape 9"/>
+          <p:cNvSpPr/>
+          <p:nvPr/>
+        </p:nvSpPr>
+        <p:spPr>
+          <a:xfrm>
+            <a:off x="5486400" y="4572000"/>
+            <a:ext cx="1828800" cy="914400"/>
+          </a:xfrm>
+          <a:prstGeom prst="rectangle">
+            <a:avLst/>
+          </a:prstGeom>
+          <a:solidFill>
+            <a:srgbClr val="4472C4"/>
+          </a:solidFill>
+          <a:ln w="12700">
+            <a:solidFill>
+              <a:srgbClr val="2E528F"/>
+            </a:solidFill>
+            <a:prstDash val="solid"/>
+          </a:ln>
+        </p:spPr>
+      </p:sp>
+      <p:sp>
+        <p:nvSpPr>
+          <p:cNvPr id="12" name="Shape 10"/>
+          <p:cNvSpPr/>
+          <p:nvPr/>
+        </p:nvSpPr>
+        <p:spPr>
+          <a:xfrm>
+            <a:off x="914400" y="5943600"/>
+            <a:ext cx="1828800" cy="914400"/>
+          </a:xfrm>
+          <a:prstGeom prst="rectangle">
+            <a:avLst/>
+          </a:prstGeom>
+          <a:solidFill>
+            <a:srgbClr val="4472C4"/>
+          </a:solidFill>
+          <a:ln w="12700">
+            <a:solidFill>
+              <a:srgbClr val="2E528F"/>
+            </a:solidFill>
+            <a:prstDash val="solid"/>
+          </a:ln>
+        </p:spPr>
+      </p:sp>
+      <p:sp>
+        <p:nvSpPr>
+          <p:cNvPr id="13" name="Shape 11"/>
+          <p:cNvSpPr/>
+          <p:nvPr/>
+        </p:nvSpPr>
+        <p:spPr>
+          <a:xfrm>
+            <a:off x="3200400" y="5943600"/>
+            <a:ext cx="1828800" cy="914400"/>
+          </a:xfrm>
+          <a:prstGeom prst="rectangle">
+            <a:avLst/>
+          </a:prstGeom>
+          <a:solidFill>
+            <a:srgbClr val="4472C4"/>
+          </a:solidFill>
+          <a:ln w="12700">
+            <a:solidFill>
+              <a:srgbClr val="2E528F"/>
+            </a:solidFill>
+            <a:prstDash val="solid"/>
+          </a:ln>
+        </p:spPr>
+      </p:sp>
+      <p:sp>
+        <p:nvSpPr>
+          <p:cNvPr id="14" name="Shape 12"/>
+          <p:cNvSpPr/>
+          <p:nvPr/>
+        </p:nvSpPr>
+        <p:spPr>
+          <a:xfrm>
+            <a:off x="5486400" y="5943600"/>
+            <a:ext cx="1828800" cy="914400"/>
+          </a:xfrm>
+          <a:prstGeom prst="rectangle">
+            <a:avLst/>
+          </a:prstGeom>
+          <a:solidFill>
+            <a:srgbClr val="4472C4"/>
+          </a:solidFill>
+          <a:ln w="12700">
+            <a:solidFill>
+              <a:srgbClr val="2E528F"/>
+            </a:solidFill>
+            <a:prstDash val="solid"/>
+          </a:ln>
+        </p:spPr>
+      </p:sp>
+      <p:sp>
+        <p:nvSpPr>
+          <p:cNvPr id="15" name="Shape 13"/>
+          <p:cNvSpPr/>
+          <p:nvPr/>
+        </p:nvSpPr>
+        <p:spPr>
+          <a:xfrm>
+            <a:off x="914400" y="7315200"/>
+            <a:ext cx="1828800" cy="914400"/>
+          </a:xfrm>
+          <a:prstGeom prst="rectangle">
+            <a:avLst/>
+          </a:prstGeom>
+          <a:solidFill>
+            <a:srgbClr val="4472C4"/>
+          </a:solidFill>
+          <a:ln w="12700">
+            <a:solidFill>
+              <a:srgbClr val="2E528F"/>
+            </a:solidFill>
+            <a:prstDash val="solid"/>
+          </a:ln>
+        </p:spPr>
+      </p:sp>
+      <p:sp>
+        <p:nvSpPr>
+          <p:cNvPr id="16" name="Shape 14"/>
+          <p:cNvSpPr/>
+          <p:nvPr/>
+        </p:nvSpPr>
+        <p:spPr>
+          <a:xfrm>
+            <a:off x="3200400" y="7315200"/>
+            <a:ext cx="1828800" cy="914400"/>
+          </a:xfrm>
+          <a:prstGeom prst="rectangle">
+            <a:avLst/>
+          </a:prstGeom>
+          <a:solidFill>
+            <a:srgbClr val="4472C4"/>
+          </a:solidFill>
+          <a:ln w="12700">
+            <a:solidFill>
+              <a:srgbClr val="2E528F"/>
+            </a:solidFill>
+            <a:prstDash val="solid"/>
+          </a:ln>
+        </p:spPr>
+      </p:sp>
+      <p:sp>
+        <p:nvSpPr>
+          <p:cNvPr id="17" name="Shape 15"/>
+          <p:cNvSpPr/>
+          <p:nvPr/>
+        </p:nvSpPr>
+        <p:spPr>
+          <a:xfrm>
+            <a:off x="5029200" y="5029200"/>
             <a:ext cx="457200" cy="0"/>
           </a:xfrm>
           <a:prstGeom prst="line">
@@ -1216,38 +1280,14 @@
       </p:sp>
       <p:sp>
         <p:nvSpPr>
-          <p:cNvPr id="8" name="Shape 6"/>
+          <p:cNvPr id="18" name="Shape 16"/>
           <p:cNvSpPr/>
           <p:nvPr/>
         </p:nvSpPr>
         <p:spPr>
           <a:xfrm>
-            <a:off x="5029200" y="2286000"/>
-            <a:ext cx="457200" cy="0"/>
-          </a:xfrm>
-          <a:prstGeom prst="line">
-            <a:avLst/>
-          </a:prstGeom>
-          <a:noFill/>
-          <a:ln w="12700">
-            <a:solidFill>
-              <a:srgbClr val="2E528F"/>
-            </a:solidFill>
-            <a:prstDash val="solid"/>
-            <a:headEnd type="arrow"/>
-          </a:ln>
-        </p:spPr>
-      </p:sp>
-      <p:sp>
-        <p:nvSpPr>
-          <p:cNvPr id="9" name="Shape 7"/>
-          <p:cNvSpPr/>
-          <p:nvPr/>
-        </p:nvSpPr>
-        <p:spPr>
-          <a:xfrm flipH="1">
-            <a:off x="7315200" y="2286000"/>
-            <a:ext cx="-6400800" cy="1371600"/>
+            <a:off x="2743200" y="6400800"/>
+            <a:ext cx="457200" cy="-2743200"/>
           </a:xfrm>
           <a:prstGeom prst="line">
             <a:avLst/>
